--- a/images/cluster_structure.pptx
+++ b/images/cluster_structure.pptx
@@ -104,6 +104,11 @@
       </a:defRPr>
     </a:lvl9pPr>
   </p:defaultTextStyle>
+  <p:extLst>
+    <p:ext uri="{EFAFB233-063F-42B5-8137-9DF3F51BA10A}">
+      <p15:sldGuideLst xmlns:p15="http://schemas.microsoft.com/office/powerpoint/2012/main"/>
+    </p:ext>
+  </p:extLst>
 </p:presentation>
 </file>
 
@@ -6039,6 +6044,58 @@
           <a:chExt cx="0" cy="0"/>
         </a:xfrm>
       </p:grpSpPr>
+      <p:sp>
+        <p:nvSpPr>
+          <p:cNvPr id="25" name="Rectangle 24">
+            <a:extLst>
+              <a:ext uri="{FF2B5EF4-FFF2-40B4-BE49-F238E27FC236}">
+                <a16:creationId xmlns:a16="http://schemas.microsoft.com/office/drawing/2014/main" id="{76486FBE-4EC6-F8F4-7FBA-370D332DDBFA}"/>
+              </a:ext>
+            </a:extLst>
+          </p:cNvPr>
+          <p:cNvSpPr/>
+          <p:nvPr/>
+        </p:nvSpPr>
+        <p:spPr>
+          <a:xfrm>
+            <a:off x="432486" y="111211"/>
+            <a:ext cx="11627709" cy="6027122"/>
+          </a:xfrm>
+          <a:prstGeom prst="rect">
+            <a:avLst/>
+          </a:prstGeom>
+          <a:solidFill>
+            <a:schemeClr val="bg1"/>
+          </a:solidFill>
+          <a:ln>
+            <a:noFill/>
+          </a:ln>
+        </p:spPr>
+        <p:style>
+          <a:lnRef idx="2">
+            <a:schemeClr val="accent1">
+              <a:shade val="15000"/>
+            </a:schemeClr>
+          </a:lnRef>
+          <a:fillRef idx="1">
+            <a:schemeClr val="accent1"/>
+          </a:fillRef>
+          <a:effectRef idx="0">
+            <a:schemeClr val="accent1"/>
+          </a:effectRef>
+          <a:fontRef idx="minor">
+            <a:schemeClr val="lt1"/>
+          </a:fontRef>
+        </p:style>
+        <p:txBody>
+          <a:bodyPr rtlCol="0" anchor="ctr"/>
+          <a:lstStyle/>
+          <a:p>
+            <a:pPr algn="ctr"/>
+            <a:endParaRPr lang="en-DE"/>
+          </a:p>
+        </p:txBody>
+      </p:sp>
       <p:graphicFrame>
         <p:nvGraphicFramePr>
           <p:cNvPr id="4" name="Diagram 3">
@@ -6052,7 +6109,7 @@
           <p:nvPr>
             <p:extLst>
               <p:ext uri="{D42A27DB-BD31-4B8C-83A1-F6EECF244321}">
-                <p14:modId xmlns:p14="http://schemas.microsoft.com/office/powerpoint/2010/main" val="2561005749"/>
+                <p14:modId xmlns:p14="http://schemas.microsoft.com/office/powerpoint/2010/main" val="3552364456"/>
               </p:ext>
             </p:extLst>
           </p:nvPr>
@@ -6779,56 +6836,6 @@
               <a:rPr lang="en-DE" b="1" dirty="0"/>
               <a:t>Kubernetes Cluster</a:t>
             </a:r>
-          </a:p>
-        </p:txBody>
-      </p:sp>
-      <p:sp>
-        <p:nvSpPr>
-          <p:cNvPr id="25" name="Rectangle 24">
-            <a:extLst>
-              <a:ext uri="{FF2B5EF4-FFF2-40B4-BE49-F238E27FC236}">
-                <a16:creationId xmlns:a16="http://schemas.microsoft.com/office/drawing/2014/main" id="{76486FBE-4EC6-F8F4-7FBA-370D332DDBFA}"/>
-              </a:ext>
-            </a:extLst>
-          </p:cNvPr>
-          <p:cNvSpPr/>
-          <p:nvPr/>
-        </p:nvSpPr>
-        <p:spPr>
-          <a:xfrm>
-            <a:off x="432486" y="111211"/>
-            <a:ext cx="11627709" cy="6027122"/>
-          </a:xfrm>
-          <a:prstGeom prst="rect">
-            <a:avLst/>
-          </a:prstGeom>
-          <a:noFill/>
-          <a:ln>
-            <a:noFill/>
-          </a:ln>
-        </p:spPr>
-        <p:style>
-          <a:lnRef idx="2">
-            <a:schemeClr val="accent1">
-              <a:shade val="15000"/>
-            </a:schemeClr>
-          </a:lnRef>
-          <a:fillRef idx="1">
-            <a:schemeClr val="accent1"/>
-          </a:fillRef>
-          <a:effectRef idx="0">
-            <a:schemeClr val="accent1"/>
-          </a:effectRef>
-          <a:fontRef idx="minor">
-            <a:schemeClr val="lt1"/>
-          </a:fontRef>
-        </p:style>
-        <p:txBody>
-          <a:bodyPr rtlCol="0" anchor="ctr"/>
-          <a:lstStyle/>
-          <a:p>
-            <a:pPr algn="ctr"/>
-            <a:endParaRPr lang="en-DE"/>
           </a:p>
         </p:txBody>
       </p:sp>
